--- a/ppt/算法讲解101【扩展】 KMP算法相关题目.pptx
+++ b/ppt/算法讲解101【扩展】 KMP算法相关题目.pptx
@@ -4131,6 +4131,9 @@
                 <a:sym typeface="Monaco"/>
               </a:defRPr>
             </a:pPr>
+            <a:r>
+              <a:t>上节课提到</a:t>
+            </a:r>
           </a:p>
           <a:p>
             <a:pPr algn="l" defTabSz="825500">
@@ -4145,7 +4148,23 @@
               </a:defRPr>
             </a:pPr>
             <a:r>
-              <a:t>上节课提到，求解1个位置的next数组的值，时间复杂度O(1)</a:t>
+              <a:t>求解s2的next数组时间复杂度O(n)，均摊下来，1个位置求next值的复杂度O(1)</a:t>
+            </a:r>
+          </a:p>
+          <a:p>
+            <a:pPr algn="l" defTabSz="825500">
+              <a:defRPr sz="3600">
+                <a:solidFill>
+                  <a:srgbClr val="000000"/>
+                </a:solidFill>
+                <a:latin typeface="Monaco"/>
+                <a:ea typeface="Monaco"/>
+                <a:cs typeface="Monaco"/>
+                <a:sym typeface="Monaco"/>
+              </a:defRPr>
+            </a:pPr>
+            <a:r>
+              <a:t>匹配的主流程时间复杂度O(n)，均摊下来，s1中1个位置的比对过程，跳转的代价O(1)</a:t>
             </a:r>
           </a:p>
           <a:p>
